--- a/docs/figures/CHIPS-FlowChart.pptx
+++ b/docs/figures/CHIPS-FlowChart.pptx
@@ -270,7 +270,7 @@
           <a:p>
             <a:fld id="{EC023F8F-AD76-452D-B59D-4E912293AD4B}" type="datetimeFigureOut">
               <a:rPr lang="en-US" smtClean="0"/>
-              <a:t>7/15/2024</a:t>
+              <a:t>8/8/2024</a:t>
             </a:fld>
             <a:endParaRPr lang="en-US"/>
           </a:p>
@@ -468,7 +468,7 @@
           <a:p>
             <a:fld id="{EC023F8F-AD76-452D-B59D-4E912293AD4B}" type="datetimeFigureOut">
               <a:rPr lang="en-US" smtClean="0"/>
-              <a:t>7/15/2024</a:t>
+              <a:t>8/8/2024</a:t>
             </a:fld>
             <a:endParaRPr lang="en-US"/>
           </a:p>
@@ -676,7 +676,7 @@
           <a:p>
             <a:fld id="{EC023F8F-AD76-452D-B59D-4E912293AD4B}" type="datetimeFigureOut">
               <a:rPr lang="en-US" smtClean="0"/>
-              <a:t>7/15/2024</a:t>
+              <a:t>8/8/2024</a:t>
             </a:fld>
             <a:endParaRPr lang="en-US"/>
           </a:p>
@@ -874,7 +874,7 @@
           <a:p>
             <a:fld id="{EC023F8F-AD76-452D-B59D-4E912293AD4B}" type="datetimeFigureOut">
               <a:rPr lang="en-US" smtClean="0"/>
-              <a:t>7/15/2024</a:t>
+              <a:t>8/8/2024</a:t>
             </a:fld>
             <a:endParaRPr lang="en-US"/>
           </a:p>
@@ -1149,7 +1149,7 @@
           <a:p>
             <a:fld id="{EC023F8F-AD76-452D-B59D-4E912293AD4B}" type="datetimeFigureOut">
               <a:rPr lang="en-US" smtClean="0"/>
-              <a:t>7/15/2024</a:t>
+              <a:t>8/8/2024</a:t>
             </a:fld>
             <a:endParaRPr lang="en-US"/>
           </a:p>
@@ -1414,7 +1414,7 @@
           <a:p>
             <a:fld id="{EC023F8F-AD76-452D-B59D-4E912293AD4B}" type="datetimeFigureOut">
               <a:rPr lang="en-US" smtClean="0"/>
-              <a:t>7/15/2024</a:t>
+              <a:t>8/8/2024</a:t>
             </a:fld>
             <a:endParaRPr lang="en-US"/>
           </a:p>
@@ -1826,7 +1826,7 @@
           <a:p>
             <a:fld id="{EC023F8F-AD76-452D-B59D-4E912293AD4B}" type="datetimeFigureOut">
               <a:rPr lang="en-US" smtClean="0"/>
-              <a:t>7/15/2024</a:t>
+              <a:t>8/8/2024</a:t>
             </a:fld>
             <a:endParaRPr lang="en-US"/>
           </a:p>
@@ -1967,7 +1967,7 @@
           <a:p>
             <a:fld id="{EC023F8F-AD76-452D-B59D-4E912293AD4B}" type="datetimeFigureOut">
               <a:rPr lang="en-US" smtClean="0"/>
-              <a:t>7/15/2024</a:t>
+              <a:t>8/8/2024</a:t>
             </a:fld>
             <a:endParaRPr lang="en-US"/>
           </a:p>
@@ -2080,7 +2080,7 @@
           <a:p>
             <a:fld id="{EC023F8F-AD76-452D-B59D-4E912293AD4B}" type="datetimeFigureOut">
               <a:rPr lang="en-US" smtClean="0"/>
-              <a:t>7/15/2024</a:t>
+              <a:t>8/8/2024</a:t>
             </a:fld>
             <a:endParaRPr lang="en-US"/>
           </a:p>
@@ -2391,7 +2391,7 @@
           <a:p>
             <a:fld id="{EC023F8F-AD76-452D-B59D-4E912293AD4B}" type="datetimeFigureOut">
               <a:rPr lang="en-US" smtClean="0"/>
-              <a:t>7/15/2024</a:t>
+              <a:t>8/8/2024</a:t>
             </a:fld>
             <a:endParaRPr lang="en-US"/>
           </a:p>
@@ -2679,7 +2679,7 @@
           <a:p>
             <a:fld id="{EC023F8F-AD76-452D-B59D-4E912293AD4B}" type="datetimeFigureOut">
               <a:rPr lang="en-US" smtClean="0"/>
-              <a:t>7/15/2024</a:t>
+              <a:t>8/8/2024</a:t>
             </a:fld>
             <a:endParaRPr lang="en-US"/>
           </a:p>
@@ -2920,7 +2920,7 @@
           <a:p>
             <a:fld id="{EC023F8F-AD76-452D-B59D-4E912293AD4B}" type="datetimeFigureOut">
               <a:rPr lang="en-US" smtClean="0"/>
-              <a:t>7/15/2024</a:t>
+              <a:t>8/8/2024</a:t>
             </a:fld>
             <a:endParaRPr lang="en-US"/>
           </a:p>
@@ -3499,7 +3499,7 @@
           </a:prstGeom>
           <a:ln>
             <a:solidFill>
-              <a:srgbClr val="00B0F0"/>
+              <a:srgbClr val="7030A0"/>
             </a:solidFill>
           </a:ln>
         </p:spPr>
@@ -3524,13 +3524,19 @@
             <a:r>
               <a:rPr lang="en-US" dirty="0">
                 <a:solidFill>
-                  <a:srgbClr val="00B0F0"/>
+                  <a:schemeClr val="accent5">
+                    <a:lumMod val="50000"/>
+                  </a:schemeClr>
                 </a:solidFill>
               </a:rPr>
               <a:t>[Input]</a:t>
             </a:r>
             <a:r>
-              <a:rPr lang="en-US" dirty="0"/>
+              <a:rPr lang="en-US" dirty="0">
+                <a:solidFill>
+                  <a:schemeClr val="tx1"/>
+                </a:solidFill>
+              </a:rPr>
               <a:t>: SDO/AIA EUV Synoptic maps</a:t>
             </a:r>
           </a:p>
@@ -3540,7 +3546,11 @@
               <a:buChar char="•"/>
             </a:pPr>
             <a:r>
-              <a:rPr lang="en-US" dirty="0"/>
+              <a:rPr lang="en-US" dirty="0">
+                <a:solidFill>
+                  <a:schemeClr val="tx1"/>
+                </a:solidFill>
+              </a:rPr>
               <a:t>File Format – FITS</a:t>
             </a:r>
           </a:p>
@@ -3550,7 +3560,11 @@
               <a:buChar char="•"/>
             </a:pPr>
             <a:r>
-              <a:rPr lang="en-US" dirty="0"/>
+              <a:rPr lang="en-US" dirty="0">
+                <a:solidFill>
+                  <a:schemeClr val="tx1"/>
+                </a:solidFill>
+              </a:rPr>
               <a:t>Wavebands – 171Å, 193Å, 211Å</a:t>
             </a:r>
           </a:p>
@@ -3560,7 +3574,11 @@
               <a:buChar char="•"/>
             </a:pPr>
             <a:r>
-              <a:rPr lang="en-US" dirty="0"/>
+              <a:rPr lang="en-US" dirty="0">
+                <a:solidFill>
+                  <a:schemeClr val="tx1"/>
+                </a:solidFill>
+              </a:rPr>
               <a:t>Source: SDO Webserver</a:t>
             </a:r>
           </a:p>
@@ -3852,6 +3870,10 @@
             </a:avLst>
           </a:prstGeom>
           <a:ln>
+            <a:solidFill>
+              <a:srgbClr val="7030A0"/>
+            </a:solidFill>
+            <a:prstDash val="solid"/>
             <a:tailEnd type="triangle"/>
           </a:ln>
         </p:spPr>
@@ -4193,7 +4215,7 @@
               <a:gd name="adj1" fmla="val 50000"/>
             </a:avLst>
           </a:prstGeom>
-          <a:ln>
+          <a:ln w="28575">
             <a:tailEnd type="triangle"/>
           </a:ln>
         </p:spPr>
@@ -4230,8 +4252,8 @@
             </p:nvSpPr>
             <p:spPr>
               <a:xfrm>
-                <a:off x="9371334" y="2903731"/>
-                <a:ext cx="4036322" cy="4092491"/>
+                <a:off x="9371334" y="4030004"/>
+                <a:ext cx="4036322" cy="3725669"/>
               </a:xfrm>
               <a:prstGeom prst="rect">
                 <a:avLst/>
@@ -4266,7 +4288,7 @@
                       <a:srgbClr val="C00000"/>
                     </a:solidFill>
                   </a:rPr>
-                  <a:t>[U4]</a:t>
+                  <a:t>[U5]</a:t>
                 </a:r>
                 <a:r>
                   <a:rPr lang="en-US" dirty="0"/>
@@ -4365,6 +4387,7 @@
                   <a:rPr lang="en-US" dirty="0"/>
                   <a:t>, Identify CHs and associated CHBs on the binary image</a:t>
                 </a:r>
+                <a:endParaRPr lang="en-US" u="sng" dirty="0"/>
               </a:p>
               <a:p>
                 <a:pPr marL="800100" lvl="1" indent="-342900">
@@ -4373,7 +4396,7 @@
                 </a:pPr>
                 <a:r>
                   <a:rPr lang="en-US" u="sng" dirty="0"/>
-                  <a:t>S1.3</a:t>
+                  <a:t>S1.4</a:t>
                 </a:r>
                 <a:r>
                   <a:rPr lang="en-US" dirty="0"/>
@@ -4387,7 +4410,7 @@
                 </a:pPr>
                 <a:r>
                   <a:rPr lang="en-US" u="sng" dirty="0"/>
-                  <a:t>S1.4</a:t>
+                  <a:t>S1.5</a:t>
                 </a:r>
                 <a:r>
                   <a:rPr lang="en-US" dirty="0"/>
@@ -4424,8 +4447,8 @@
             </p:nvSpPr>
             <p:spPr>
               <a:xfrm>
-                <a:off x="9371334" y="2903731"/>
-                <a:ext cx="4036322" cy="4092491"/>
+                <a:off x="9371334" y="4030004"/>
+                <a:ext cx="4036322" cy="3725669"/>
               </a:xfrm>
               <a:prstGeom prst="rect">
                 <a:avLst/>
@@ -4433,7 +4456,7 @@
               <a:blipFill>
                 <a:blip r:embed="rId3"/>
                 <a:stretch>
-                  <a:fillRect l="-1053" r="-1504"/>
+                  <a:fillRect l="-1053" r="-1504" b="-1629"/>
                 </a:stretch>
               </a:blipFill>
               <a:ln>
@@ -4476,12 +4499,12 @@
         <p:spPr>
           <a:xfrm>
             <a:off x="11389495" y="2082188"/>
-            <a:ext cx="0" cy="821543"/>
+            <a:ext cx="0" cy="1947816"/>
           </a:xfrm>
           <a:prstGeom prst="straightConnector1">
             <a:avLst/>
           </a:prstGeom>
-          <a:ln>
+          <a:ln w="28575">
             <a:solidFill>
               <a:schemeClr val="tx1"/>
             </a:solidFill>
@@ -4497,6 +4520,156 @@
           </a:fillRef>
           <a:effectRef idx="1">
             <a:schemeClr val="accent1"/>
+          </a:effectRef>
+          <a:fontRef idx="minor">
+            <a:schemeClr val="tx1"/>
+          </a:fontRef>
+        </p:style>
+      </p:cxnSp>
+      <p:sp>
+        <p:nvSpPr>
+          <p:cNvPr id="7" name="Rectangle 6">
+            <a:extLst>
+              <a:ext uri="{FF2B5EF4-FFF2-40B4-BE49-F238E27FC236}">
+                <a16:creationId xmlns:a16="http://schemas.microsoft.com/office/drawing/2014/main" id="{D41EF024-7866-34E2-73F5-681378B678A4}"/>
+              </a:ext>
+            </a:extLst>
+          </p:cNvPr>
+          <p:cNvSpPr>
+            <a:spLocks/>
+          </p:cNvSpPr>
+          <p:nvPr/>
+        </p:nvSpPr>
+        <p:spPr>
+          <a:xfrm>
+            <a:off x="11955337" y="2723352"/>
+            <a:ext cx="3470480" cy="845750"/>
+          </a:xfrm>
+          <a:prstGeom prst="rect">
+            <a:avLst/>
+          </a:prstGeom>
+          <a:ln>
+            <a:solidFill>
+              <a:srgbClr val="FFC000"/>
+            </a:solidFill>
+            <a:prstDash val="dash"/>
+          </a:ln>
+        </p:spPr>
+        <p:style>
+          <a:lnRef idx="2">
+            <a:schemeClr val="accent6"/>
+          </a:lnRef>
+          <a:fillRef idx="1">
+            <a:schemeClr val="lt1"/>
+          </a:fillRef>
+          <a:effectRef idx="0">
+            <a:schemeClr val="accent6"/>
+          </a:effectRef>
+          <a:fontRef idx="minor">
+            <a:schemeClr val="dk1"/>
+          </a:fontRef>
+        </p:style>
+        <p:txBody>
+          <a:bodyPr rtlCol="0" anchor="ctr"/>
+          <a:lstStyle/>
+          <a:p>
+            <a:r>
+              <a:rPr lang="en-US" dirty="0">
+                <a:solidFill>
+                  <a:srgbClr val="C00000"/>
+                </a:solidFill>
+              </a:rPr>
+              <a:t>[U4]</a:t>
+            </a:r>
+            <a:r>
+              <a:rPr lang="en-US" dirty="0"/>
+              <a:t>: Filament Clean-up Module</a:t>
+            </a:r>
+          </a:p>
+        </p:txBody>
+      </p:sp>
+      <p:cxnSp>
+        <p:nvCxnSpPr>
+          <p:cNvPr id="8" name="Connector: Elbow 7">
+            <a:extLst>
+              <a:ext uri="{FF2B5EF4-FFF2-40B4-BE49-F238E27FC236}">
+                <a16:creationId xmlns:a16="http://schemas.microsoft.com/office/drawing/2014/main" id="{1C85D269-2496-1E51-E7FA-B0D91C256674}"/>
+              </a:ext>
+            </a:extLst>
+          </p:cNvPr>
+          <p:cNvCxnSpPr>
+            <a:cxnSpLocks/>
+            <a:stCxn id="34" idx="3"/>
+            <a:endCxn id="7" idx="0"/>
+          </p:cNvCxnSpPr>
+          <p:nvPr/>
+        </p:nvCxnSpPr>
+        <p:spPr>
+          <a:xfrm>
+            <a:off x="13407656" y="845799"/>
+            <a:ext cx="282921" cy="1877553"/>
+          </a:xfrm>
+          <a:prstGeom prst="bentConnector2">
+            <a:avLst/>
+          </a:prstGeom>
+          <a:ln w="28575">
+            <a:prstDash val="dash"/>
+            <a:tailEnd type="triangle"/>
+          </a:ln>
+        </p:spPr>
+        <p:style>
+          <a:lnRef idx="3">
+            <a:schemeClr val="dk1"/>
+          </a:lnRef>
+          <a:fillRef idx="0">
+            <a:schemeClr val="dk1"/>
+          </a:fillRef>
+          <a:effectRef idx="2">
+            <a:schemeClr val="dk1"/>
+          </a:effectRef>
+          <a:fontRef idx="minor">
+            <a:schemeClr val="tx1"/>
+          </a:fontRef>
+        </p:style>
+      </p:cxnSp>
+      <p:cxnSp>
+        <p:nvCxnSpPr>
+          <p:cNvPr id="12" name="Connector: Elbow 11">
+            <a:extLst>
+              <a:ext uri="{FF2B5EF4-FFF2-40B4-BE49-F238E27FC236}">
+                <a16:creationId xmlns:a16="http://schemas.microsoft.com/office/drawing/2014/main" id="{ACC6E194-76FC-4008-8E37-5246AE0EB72F}"/>
+              </a:ext>
+            </a:extLst>
+          </p:cNvPr>
+          <p:cNvCxnSpPr>
+            <a:cxnSpLocks/>
+            <a:stCxn id="7" idx="1"/>
+            <a:endCxn id="45" idx="0"/>
+          </p:cNvCxnSpPr>
+          <p:nvPr/>
+        </p:nvCxnSpPr>
+        <p:spPr>
+          <a:xfrm rot="10800000" flipV="1">
+            <a:off x="11389495" y="3146226"/>
+            <a:ext cx="565842" cy="883777"/>
+          </a:xfrm>
+          <a:prstGeom prst="bentConnector2">
+            <a:avLst/>
+          </a:prstGeom>
+          <a:ln w="28575">
+            <a:prstDash val="dash"/>
+            <a:tailEnd type="triangle"/>
+          </a:ln>
+        </p:spPr>
+        <p:style>
+          <a:lnRef idx="3">
+            <a:schemeClr val="dk1"/>
+          </a:lnRef>
+          <a:fillRef idx="0">
+            <a:schemeClr val="dk1"/>
+          </a:fillRef>
+          <a:effectRef idx="2">
+            <a:schemeClr val="dk1"/>
           </a:effectRef>
           <a:fontRef idx="minor">
             <a:schemeClr val="tx1"/>
